--- a/presentations/2012-Sept/201209 WGM Hands on with FHIR.pptx
+++ b/presentations/2012-Sept/201209 WGM Hands on with FHIR.pptx
@@ -272,7 +272,7 @@
             <a:fld id="{5FA7A704-9F1C-4FD3-85D1-57AF2D7FD0E8}" type="datetimeFigureOut">
               <a:rPr lang="en-US" smtClean="0"/>
               <a:pPr/>
-              <a:t>8/28/2012</a:t>
+              <a:t>8/29/2012</a:t>
             </a:fld>
             <a:endParaRPr lang="en-US" dirty="0"/>
           </a:p>
@@ -677,7 +677,7 @@
           <a:p>
             <a:fld id="{B142FB1B-C78A-487A-8BCD-A881541F22C2}" type="datetime1">
               <a:rPr lang="en-US" smtClean="0"/>
-              <a:t>8/28/2012</a:t>
+              <a:t>8/29/2012</a:t>
             </a:fld>
             <a:endParaRPr lang="en-US"/>
           </a:p>
@@ -1016,7 +1016,7 @@
           <a:p>
             <a:fld id="{A21CDED8-F563-489F-88EF-1064F78DA1BE}" type="datetime1">
               <a:rPr lang="en-US" smtClean="0"/>
-              <a:t>8/28/2012</a:t>
+              <a:t>8/29/2012</a:t>
             </a:fld>
             <a:endParaRPr lang="en-US"/>
           </a:p>
@@ -1299,7 +1299,7 @@
           <a:p>
             <a:fld id="{FD30C353-CC25-4A0A-BB33-6D6BD2593260}" type="datetime1">
               <a:rPr lang="en-US" smtClean="0"/>
-              <a:t>8/28/2012</a:t>
+              <a:t>8/29/2012</a:t>
             </a:fld>
             <a:endParaRPr lang="en-US"/>
           </a:p>
@@ -1868,7 +1868,7 @@
           <a:p>
             <a:fld id="{66975E8D-6B47-4E8D-91C9-35A37ADF04B9}" type="datetime1">
               <a:rPr lang="en-US" smtClean="0"/>
-              <a:t>8/28/2012</a:t>
+              <a:t>8/29/2012</a:t>
             </a:fld>
             <a:endParaRPr lang="en-US"/>
           </a:p>
@@ -2540,7 +2540,7 @@
           <a:p>
             <a:fld id="{17893065-8A64-4F22-9915-FF4382408924}" type="datetime1">
               <a:rPr lang="en-US" smtClean="0"/>
-              <a:t>8/28/2012</a:t>
+              <a:t>8/29/2012</a:t>
             </a:fld>
             <a:endParaRPr lang="en-US"/>
           </a:p>
@@ -2701,7 +2701,7 @@
           <a:p>
             <a:fld id="{CB114365-E42C-4748-B650-E05E6796E814}" type="datetime1">
               <a:rPr lang="en-US" smtClean="0"/>
-              <a:t>8/28/2012</a:t>
+              <a:t>8/29/2012</a:t>
             </a:fld>
             <a:endParaRPr lang="en-US"/>
           </a:p>
@@ -2850,7 +2850,7 @@
           <a:p>
             <a:fld id="{3DE4F72A-80B0-44A0-B9F0-C4EAF3918D0F}" type="datetime1">
               <a:rPr lang="en-US" smtClean="0"/>
-              <a:t>8/28/2012</a:t>
+              <a:t>8/29/2012</a:t>
             </a:fld>
             <a:endParaRPr lang="en-US"/>
           </a:p>
@@ -3230,7 +3230,7 @@
           <a:p>
             <a:fld id="{31312CF5-3C3D-46C2-B622-B5133F51A02F}" type="datetime1">
               <a:rPr lang="en-US" smtClean="0"/>
-              <a:t>8/28/2012</a:t>
+              <a:t>8/29/2012</a:t>
             </a:fld>
             <a:endParaRPr lang="en-US"/>
           </a:p>
@@ -3361,7 +3361,7 @@
           <a:p>
             <a:fld id="{1B6975F4-4FFA-4A1F-95BD-5803C6F2FE7C}" type="datetime1">
               <a:rPr lang="en-US" smtClean="0"/>
-              <a:t>8/28/2012</a:t>
+              <a:t>8/29/2012</a:t>
             </a:fld>
             <a:endParaRPr lang="en-US"/>
           </a:p>
@@ -3820,7 +3820,7 @@
             <a:pPr algn="r"/>
             <a:fld id="{8C06AFE6-806B-4C7D-8B17-59A8EDC774EA}" type="datetime1">
               <a:rPr lang="en-US" smtClean="0"/>
-              <a:t>8/28/2012</a:t>
+              <a:t>8/29/2012</a:t>
             </a:fld>
             <a:endParaRPr lang="en-US" sz="1200">
               <a:solidFill>
@@ -4525,11 +4525,7 @@
           <a:p>
             <a:r>
               <a:rPr lang="en-US" dirty="0" smtClean="0"/>
-              <a:t>Hands on </a:t>
-            </a:r>
-            <a:r>
-              <a:rPr lang="en-US" dirty="0" smtClean="0"/>
-              <a:t>with</a:t>
+              <a:t>Hands on with</a:t>
             </a:r>
             <a:br>
               <a:rPr lang="en-US" dirty="0" smtClean="0"/>
@@ -4559,11 +4555,7 @@
           <a:p>
             <a:r>
               <a:rPr lang="en-US" dirty="0" smtClean="0"/>
-              <a:t>Baltimore, Sept. 2012 </a:t>
-            </a:r>
-            <a:r>
-              <a:rPr lang="en-US" dirty="0" smtClean="0"/>
-              <a:t>HL7 WGM</a:t>
+              <a:t>Baltimore, Sept. 2012 HL7 WGM</a:t>
             </a:r>
             <a:endParaRPr lang="en-CA" dirty="0"/>
           </a:p>
@@ -4814,7 +4806,7 @@
           <a:p>
             <a:fld id="{57AF979C-BEF5-4C2E-8817-10BC4A2C2C57}" type="datetime1">
               <a:rPr lang="en-US" smtClean="0"/>
-              <a:t>8/28/2012</a:t>
+              <a:t>8/29/2012</a:t>
             </a:fld>
             <a:endParaRPr lang="en-US"/>
           </a:p>
@@ -4993,7 +4985,7 @@
           <a:p>
             <a:fld id="{31312CF5-3C3D-46C2-B622-B5133F51A02F}" type="datetime1">
               <a:rPr lang="en-US" smtClean="0"/>
-              <a:t>8/28/2012</a:t>
+              <a:t>8/29/2012</a:t>
             </a:fld>
             <a:endParaRPr lang="en-US"/>
           </a:p>
@@ -5112,7 +5104,7 @@
         <p:spPr/>
         <p:txBody>
           <a:bodyPr>
-            <a:normAutofit fontScale="92500"/>
+            <a:normAutofit/>
           </a:bodyPr>
           <a:lstStyle/>
           <a:p>
@@ -5197,7 +5189,7 @@
           <a:p>
             <a:fld id="{A21CDED8-F563-489F-88EF-1064F78DA1BE}" type="datetime1">
               <a:rPr lang="en-US" smtClean="0"/>
-              <a:t>8/28/2012</a:t>
+              <a:t>8/29/2012</a:t>
             </a:fld>
             <a:endParaRPr lang="en-US"/>
           </a:p>
@@ -5376,7 +5368,7 @@
           <a:p>
             <a:fld id="{A21CDED8-F563-489F-88EF-1064F78DA1BE}" type="datetime1">
               <a:rPr lang="en-US" smtClean="0"/>
-              <a:t>8/28/2012</a:t>
+              <a:t>8/29/2012</a:t>
             </a:fld>
             <a:endParaRPr lang="en-US"/>
           </a:p>
@@ -5534,7 +5526,7 @@
           <a:p>
             <a:fld id="{A21CDED8-F563-489F-88EF-1064F78DA1BE}" type="datetime1">
               <a:rPr lang="en-US" smtClean="0"/>
-              <a:t>8/28/2012</a:t>
+              <a:t>8/29/2012</a:t>
             </a:fld>
             <a:endParaRPr lang="en-US"/>
           </a:p>
@@ -5753,7 +5745,7 @@
         <p:spPr/>
         <p:txBody>
           <a:bodyPr>
-            <a:normAutofit fontScale="90000"/>
+            <a:normAutofit/>
           </a:bodyPr>
           <a:lstStyle/>
           <a:p>
@@ -5923,7 +5915,7 @@
         <p:spPr/>
         <p:txBody>
           <a:bodyPr>
-            <a:normAutofit fontScale="90000"/>
+            <a:normAutofit/>
           </a:bodyPr>
           <a:lstStyle/>
           <a:p>
@@ -6115,7 +6107,7 @@
         <p:spPr/>
         <p:txBody>
           <a:bodyPr>
-            <a:normAutofit fontScale="90000"/>
+            <a:normAutofit/>
           </a:bodyPr>
           <a:lstStyle/>
           <a:p>
@@ -6297,7 +6289,7 @@
         <p:spPr/>
         <p:txBody>
           <a:bodyPr>
-            <a:normAutofit fontScale="90000"/>
+            <a:normAutofit/>
           </a:bodyPr>
           <a:lstStyle/>
           <a:p>
@@ -6471,7 +6463,7 @@
         <p:spPr/>
         <p:txBody>
           <a:bodyPr>
-            <a:normAutofit fontScale="90000"/>
+            <a:normAutofit/>
           </a:bodyPr>
           <a:lstStyle/>
           <a:p>
@@ -6696,7 +6688,6 @@
               <a:rPr lang="en-US" dirty="0" smtClean="0"/>
               <a:t>process</a:t>
             </a:r>
-            <a:endParaRPr lang="en-US" dirty="0" smtClean="0"/>
           </a:p>
           <a:p>
             <a:r>
@@ -6715,7 +6706,6 @@
               <a:rPr lang="en-US" dirty="0" smtClean="0"/>
               <a:t>Profile Development</a:t>
             </a:r>
-            <a:endParaRPr lang="en-US" dirty="0" smtClean="0"/>
           </a:p>
           <a:p>
             <a:r>
@@ -6742,7 +6732,7 @@
           <a:p>
             <a:fld id="{69011215-C960-47E9-9E99-420AF4364BA8}" type="datetime1">
               <a:rPr lang="en-US" smtClean="0"/>
-              <a:t>8/28/2012</a:t>
+              <a:t>8/29/2012</a:t>
             </a:fld>
             <a:endParaRPr lang="en-US"/>
           </a:p>
@@ -6838,7 +6828,7 @@
         <p:spPr/>
         <p:txBody>
           <a:bodyPr>
-            <a:normAutofit fontScale="90000"/>
+            <a:normAutofit/>
           </a:bodyPr>
           <a:lstStyle/>
           <a:p>
@@ -7377,30 +7367,14 @@
           <a:p>
             <a:r>
               <a:rPr lang="en-US" sz="2800" dirty="0" smtClean="0"/>
-              <a:t>4 artifact </a:t>
-            </a:r>
-            <a:r>
-              <a:rPr lang="en-US" sz="2800" dirty="0" smtClean="0"/>
-              <a:t>file types </a:t>
-            </a:r>
-            <a:r>
-              <a:rPr lang="en-US" sz="2800" dirty="0" smtClean="0"/>
-              <a:t>used to maintain a Resource definition</a:t>
+              <a:t>4 artifact file types used to maintain a Resource definition</a:t>
             </a:r>
           </a:p>
           <a:p>
             <a:pPr lvl="1"/>
             <a:r>
               <a:rPr lang="en-US" sz="2200" dirty="0" smtClean="0"/>
-              <a:t>Excel </a:t>
-            </a:r>
-            <a:r>
-              <a:rPr lang="en-US" sz="2200" dirty="0" smtClean="0"/>
-              <a:t>XML file defining each element in the </a:t>
-            </a:r>
-            <a:r>
-              <a:rPr lang="en-US" sz="2200" dirty="0" smtClean="0"/>
-              <a:t>resource</a:t>
+              <a:t>Excel XML file defining each element in the resource</a:t>
             </a:r>
           </a:p>
           <a:p>
@@ -7462,15 +7436,7 @@
             <a:pPr lvl="2"/>
             <a:r>
               <a:rPr lang="en-US" sz="2000" dirty="0" smtClean="0"/>
-              <a:t>[</a:t>
-            </a:r>
-            <a:r>
-              <a:rPr lang="en-US" sz="2000" dirty="0" smtClean="0"/>
-              <a:t>resourceName</a:t>
-            </a:r>
-            <a:r>
-              <a:rPr lang="en-US" sz="2000" dirty="0" smtClean="0"/>
-              <a:t>]-introduction.xml</a:t>
+              <a:t>[resourceName]-introduction.xml</a:t>
             </a:r>
           </a:p>
           <a:p>
@@ -7495,15 +7461,7 @@
             <a:pPr lvl="1"/>
             <a:r>
               <a:rPr lang="en-US" sz="2200" dirty="0" smtClean="0"/>
-              <a:t>Instance example(s) </a:t>
-            </a:r>
-            <a:r>
-              <a:rPr lang="en-US" sz="2200" dirty="0" smtClean="0"/>
-              <a:t>of the </a:t>
-            </a:r>
-            <a:r>
-              <a:rPr lang="en-US" sz="2200" dirty="0" smtClean="0"/>
-              <a:t>resource</a:t>
+              <a:t>Instance example(s) of the resource</a:t>
             </a:r>
           </a:p>
           <a:p>
@@ -7512,17 +7470,12 @@
               <a:rPr lang="en-US" sz="1800" dirty="0" smtClean="0"/>
               <a:t>Name varies (should include ‘example’ and resource name</a:t>
             </a:r>
-            <a:endParaRPr lang="en-US" sz="1800" dirty="0" smtClean="0"/>
           </a:p>
           <a:p>
             <a:pPr lvl="1"/>
             <a:r>
               <a:rPr lang="en-US" sz="2400" dirty="0" smtClean="0"/>
-              <a:t>UML </a:t>
-            </a:r>
-            <a:r>
-              <a:rPr lang="en-US" sz="2400" dirty="0" smtClean="0"/>
-              <a:t>Diagram XMI package</a:t>
+              <a:t>UML Diagram XMI package</a:t>
             </a:r>
             <a:endParaRPr lang="en-US" sz="2400" dirty="0"/>
           </a:p>
@@ -7814,7 +7767,7 @@
         <p:spPr/>
         <p:txBody>
           <a:bodyPr>
-            <a:normAutofit fontScale="90000"/>
+            <a:normAutofit/>
           </a:bodyPr>
           <a:lstStyle/>
           <a:p>
@@ -7885,7 +7838,7 @@
           <a:p>
             <a:fld id="{8720406C-FB20-42D4-B706-F3127D5B1000}" type="datetime1">
               <a:rPr lang="en-US" smtClean="0"/>
-              <a:t>8/28/2012</a:t>
+              <a:t>8/29/2012</a:t>
             </a:fld>
             <a:endParaRPr lang="en-US"/>
           </a:p>
@@ -9055,7 +9008,7 @@
           <a:p>
             <a:fld id="{58932677-AA23-4875-BE07-AA2BDC54FD2E}" type="datetime1">
               <a:rPr lang="en-US" smtClean="0"/>
-              <a:t>8/28/2012</a:t>
+              <a:t>8/29/2012</a:t>
             </a:fld>
             <a:endParaRPr lang="en-US"/>
           </a:p>
@@ -9579,7 +9532,7 @@
         <p:spPr/>
         <p:txBody>
           <a:bodyPr>
-            <a:normAutofit fontScale="85000" lnSpcReduction="10000"/>
+            <a:normAutofit fontScale="92500"/>
           </a:bodyPr>
           <a:lstStyle/>
           <a:p>
@@ -9673,8 +9626,17 @@
             </a:r>
             <a:r>
               <a:rPr lang="en-US" baseline="0" dirty="0" smtClean="0"/>
-              <a:t>: tab where code list or value set defined</a:t>
-            </a:r>
+              <a:t>: tab where code list or value set </a:t>
+            </a:r>
+            <a:r>
+              <a:rPr lang="en-US" baseline="0" dirty="0" smtClean="0"/>
+              <a:t>defined or URL to</a:t>
+            </a:r>
+            <a:r>
+              <a:rPr lang="en-US" dirty="0" smtClean="0"/>
+              <a:t> reference</a:t>
+            </a:r>
+            <a:endParaRPr lang="en-US" baseline="0" dirty="0" smtClean="0"/>
           </a:p>
           <a:p>
             <a:pPr lvl="1"/>
@@ -9687,13 +9649,10 @@
               <a:t>: </a:t>
             </a:r>
             <a:r>
-              <a:rPr lang="en-US" baseline="0" dirty="0" smtClean="0">
-                <a:solidFill>
-                  <a:srgbClr val="FF0000"/>
-                </a:solidFill>
-              </a:rPr>
-              <a:t>???</a:t>
-            </a:r>
+              <a:rPr lang="en-US" dirty="0" smtClean="0"/>
+              <a:t>Text to go with URL</a:t>
+            </a:r>
+            <a:endParaRPr lang="en-US" baseline="0" dirty="0" smtClean="0"/>
           </a:p>
         </p:txBody>
       </p:sp>
@@ -10018,26 +9977,70 @@
           <a:lstStyle/>
           <a:p>
             <a:r>
-              <a:rPr lang="en-US" dirty="0" smtClean="0">
-                <a:solidFill>
-                  <a:srgbClr val="FF0000"/>
-                </a:solidFill>
-              </a:rPr>
-              <a:t>Grahame </a:t>
-            </a:r>
-            <a:r>
-              <a:rPr lang="en-US" dirty="0" err="1" smtClean="0">
-                <a:solidFill>
-                  <a:srgbClr val="FF0000"/>
-                </a:solidFill>
-              </a:rPr>
-              <a:t>todo</a:t>
-            </a:r>
-            <a:endParaRPr lang="en-US" dirty="0" smtClean="0">
-              <a:solidFill>
-                <a:srgbClr val="FF0000"/>
-              </a:solidFill>
-            </a:endParaRPr>
+              <a:rPr lang="en-US" dirty="0"/>
+              <a:t>Defines a set of codes used in a binding</a:t>
+            </a:r>
+          </a:p>
+          <a:p>
+            <a:pPr lvl="1"/>
+            <a:r>
+              <a:rPr lang="en-US" b="1" dirty="0"/>
+              <a:t>Code</a:t>
+            </a:r>
+            <a:r>
+              <a:rPr lang="en-US" dirty="0"/>
+              <a:t>: What appears on the </a:t>
+            </a:r>
+            <a:r>
+              <a:rPr lang="en-US" dirty="0" smtClean="0"/>
+              <a:t>wire</a:t>
+            </a:r>
+          </a:p>
+          <a:p>
+            <a:pPr lvl="1"/>
+            <a:r>
+              <a:rPr lang="en-US" b="1" dirty="0" smtClean="0"/>
+              <a:t>Code System</a:t>
+            </a:r>
+            <a:r>
+              <a:rPr lang="en-US" dirty="0" smtClean="0"/>
+              <a:t>: reference to system that defines the code</a:t>
+            </a:r>
+            <a:endParaRPr lang="en-US" dirty="0"/>
+          </a:p>
+          <a:p>
+            <a:pPr lvl="1"/>
+            <a:r>
+              <a:rPr lang="en-US" b="1" dirty="0"/>
+              <a:t>Display</a:t>
+            </a:r>
+            <a:r>
+              <a:rPr lang="en-US" dirty="0"/>
+              <a:t>: What to show the user (defaults to Code)</a:t>
+            </a:r>
+          </a:p>
+          <a:p>
+            <a:pPr lvl="1"/>
+            <a:r>
+              <a:rPr lang="en-US" b="1" dirty="0"/>
+              <a:t>Definition</a:t>
+            </a:r>
+            <a:r>
+              <a:rPr lang="en-US" dirty="0"/>
+              <a:t>: What the concept </a:t>
+            </a:r>
+            <a:r>
+              <a:rPr lang="en-US" dirty="0" smtClean="0"/>
+              <a:t>means</a:t>
+            </a:r>
+          </a:p>
+          <a:p>
+            <a:pPr lvl="1"/>
+            <a:r>
+              <a:rPr lang="en-US" dirty="0" smtClean="0"/>
+              <a:t>More…</a:t>
+            </a:r>
+            <a:endParaRPr lang="en-US" dirty="0"/>
           </a:p>
         </p:txBody>
       </p:sp>
@@ -10232,13 +10235,10 @@
               <a:t>: </a:t>
             </a:r>
             <a:r>
-              <a:rPr lang="en-US" dirty="0" smtClean="0">
-                <a:solidFill>
-                  <a:srgbClr val="FF0000"/>
-                </a:solidFill>
-              </a:rPr>
-              <a:t>???</a:t>
-            </a:r>
+              <a:rPr lang="en-US" dirty="0" smtClean="0"/>
+              <a:t>Simple XML, or generated from data sheet</a:t>
+            </a:r>
+            <a:endParaRPr lang="en-US" dirty="0" smtClean="0"/>
           </a:p>
           <a:p>
             <a:pPr lvl="1"/>
@@ -10464,7 +10464,7 @@
           <a:p>
             <a:fld id="{40467707-729D-440B-BC27-179C1B85AC1C}" type="datetime1">
               <a:rPr lang="en-US" smtClean="0"/>
-              <a:t>8/28/2012</a:t>
+              <a:t>8/29/2012</a:t>
             </a:fld>
             <a:endParaRPr lang="en-US"/>
           </a:p>
@@ -10832,7 +10832,7 @@
           <a:p>
             <a:fld id="{08D354E5-DE63-4C00-85FD-10CB82A5D7D6}" type="datetime1">
               <a:rPr lang="en-US" smtClean="0"/>
-              <a:t>8/28/2012</a:t>
+              <a:t>8/29/2012</a:t>
             </a:fld>
             <a:endParaRPr lang="en-US"/>
           </a:p>
@@ -11147,26 +11147,12 @@
               <a:rPr lang="en-US" dirty="0" smtClean="0"/>
               <a:t>Processes will evolve (including based on feedback from this session)</a:t>
             </a:r>
-            <a:endParaRPr lang="en-US" dirty="0" smtClean="0"/>
-          </a:p>
-          <a:p>
-            <a:r>
-              <a:rPr lang="en-US" dirty="0" smtClean="0"/>
-              <a:t>FHIR </a:t>
-            </a:r>
-            <a:r>
-              <a:rPr lang="en-US" dirty="0" smtClean="0"/>
-              <a:t>itself continues </a:t>
-            </a:r>
-            <a:r>
-              <a:rPr lang="en-US" dirty="0" smtClean="0"/>
-              <a:t>to </a:t>
-            </a:r>
-            <a:r>
-              <a:rPr lang="en-US" dirty="0" smtClean="0"/>
-              <a:t>evolve</a:t>
-            </a:r>
-            <a:endParaRPr lang="en-US" dirty="0" smtClean="0"/>
+          </a:p>
+          <a:p>
+            <a:r>
+              <a:rPr lang="en-US" dirty="0" smtClean="0"/>
+              <a:t>FHIR itself continues to evolve</a:t>
+            </a:r>
           </a:p>
         </p:txBody>
       </p:sp>
@@ -11187,7 +11173,7 @@
           <a:p>
             <a:fld id="{C8B8A534-C63B-437B-95B4-C95CA7933EB1}" type="datetime1">
               <a:rPr lang="en-US" smtClean="0"/>
-              <a:t>8/28/2012</a:t>
+              <a:t>8/29/2012</a:t>
             </a:fld>
             <a:endParaRPr lang="en-US"/>
           </a:p>
@@ -11383,7 +11369,7 @@
           <a:p>
             <a:fld id="{07DB5C76-06B7-4985-A9F6-62E707697014}" type="datetime1">
               <a:rPr lang="en-US" smtClean="0"/>
-              <a:t>8/28/2012</a:t>
+              <a:t>8/29/2012</a:t>
             </a:fld>
             <a:endParaRPr lang="en-US"/>
           </a:p>
@@ -12207,7 +12193,7 @@
           <a:p>
             <a:fld id="{1C978180-4C0B-49C8-8476-8B3ECBDE52D9}" type="datetime1">
               <a:rPr lang="en-US" smtClean="0"/>
-              <a:t>8/28/2012</a:t>
+              <a:t>8/29/2012</a:t>
             </a:fld>
             <a:endParaRPr lang="en-US"/>
           </a:p>
@@ -12330,7 +12316,7 @@
           <a:p>
             <a:fld id="{7DA55BEE-5620-40BD-8D99-D59A2C29316C}" type="datetime1">
               <a:rPr lang="en-US" smtClean="0"/>
-              <a:t>8/28/2012</a:t>
+              <a:t>8/29/2012</a:t>
             </a:fld>
             <a:endParaRPr lang="en-US"/>
           </a:p>
@@ -12707,11 +12693,7 @@
             </a:r>
             <a:r>
               <a:rPr lang="en-US" dirty="0" smtClean="0"/>
-              <a:t>“reasonable person” </a:t>
-            </a:r>
-            <a:r>
-              <a:rPr lang="en-US" dirty="0" smtClean="0"/>
-              <a:t>test</a:t>
+              <a:t>“reasonable person” test</a:t>
             </a:r>
             <a:endParaRPr lang="en-US" dirty="0"/>
           </a:p>
@@ -12734,7 +12716,7 @@
           <a:p>
             <a:fld id="{F46E0AAB-895A-4DF1-80D3-83AB4B773BF5}" type="datetime1">
               <a:rPr lang="en-US" smtClean="0"/>
-              <a:t>8/28/2012</a:t>
+              <a:t>8/29/2012</a:t>
             </a:fld>
             <a:endParaRPr lang="en-US"/>
           </a:p>
@@ -12891,11 +12873,7 @@
             </a:r>
             <a:r>
               <a:rPr lang="en-AU" smtClean="0"/>
-              <a:t>status</a:t>
-            </a:r>
-            <a:r>
-              <a:rPr lang="en-AU" smtClean="0"/>
-              <a:t>?</a:t>
+              <a:t>status?</a:t>
             </a:r>
             <a:endParaRPr lang="en-AU" dirty="0" smtClean="0"/>
           </a:p>
@@ -12918,7 +12896,7 @@
           <a:p>
             <a:fld id="{DF6D43A3-14A1-4992-93E1-7CDD71B5C9C9}" type="datetime1">
               <a:rPr lang="en-US" smtClean="0"/>
-              <a:t>8/28/2012</a:t>
+              <a:t>8/29/2012</a:t>
             </a:fld>
             <a:endParaRPr lang="en-US"/>
           </a:p>
@@ -13142,7 +13120,7 @@
           <a:p>
             <a:fld id="{A0D0AFF1-551C-47F0-9691-F199F7524FD8}" type="datetime1">
               <a:rPr lang="en-US" smtClean="0"/>
-              <a:t>8/28/2012</a:t>
+              <a:t>8/29/2012</a:t>
             </a:fld>
             <a:endParaRPr lang="en-US"/>
           </a:p>
@@ -13591,7 +13569,7 @@
           <a:p>
             <a:fld id="{83B78C2E-C2AA-47F3-B532-86D18CE52FCE}" type="datetime1">
               <a:rPr lang="en-US" smtClean="0"/>
-              <a:t>8/28/2012</a:t>
+              <a:t>8/29/2012</a:t>
             </a:fld>
             <a:endParaRPr lang="en-US"/>
           </a:p>
@@ -13773,7 +13751,7 @@
           <a:p>
             <a:fld id="{3DC9D6F2-DB9E-4732-BB63-E4DE9D9708C4}" type="datetime1">
               <a:rPr lang="en-US" smtClean="0"/>
-              <a:t>8/28/2012</a:t>
+              <a:t>8/29/2012</a:t>
             </a:fld>
             <a:endParaRPr lang="en-US"/>
           </a:p>
@@ -13954,7 +13932,7 @@
           <a:p>
             <a:fld id="{7F2578B6-4921-4FE5-BE00-917950CE7704}" type="datetime1">
               <a:rPr lang="en-US" smtClean="0"/>
-              <a:t>8/28/2012</a:t>
+              <a:t>8/29/2012</a:t>
             </a:fld>
             <a:endParaRPr lang="en-US"/>
           </a:p>
@@ -14105,7 +14083,7 @@
           <a:p>
             <a:fld id="{66D46ECA-499E-4EE4-AC15-46C73AA22FD5}" type="datetime1">
               <a:rPr lang="en-US" smtClean="0"/>
-              <a:t>8/28/2012</a:t>
+              <a:t>8/29/2012</a:t>
             </a:fld>
             <a:endParaRPr lang="en-US"/>
           </a:p>
@@ -14268,7 +14246,7 @@
           <a:p>
             <a:fld id="{2EC1E476-F4A3-489D-8685-BF28EA022DF2}" type="datetime1">
               <a:rPr lang="en-US" smtClean="0"/>
-              <a:t>8/28/2012</a:t>
+              <a:t>8/29/2012</a:t>
             </a:fld>
             <a:endParaRPr lang="en-US"/>
           </a:p>
@@ -14459,7 +14437,7 @@
           <a:p>
             <a:fld id="{0BA9D9DF-CC49-4A00-B87A-A6DD448079F9}" type="datetime1">
               <a:rPr lang="en-US" smtClean="0"/>
-              <a:t>8/28/2012</a:t>
+              <a:t>8/29/2012</a:t>
             </a:fld>
             <a:endParaRPr lang="en-US"/>
           </a:p>
@@ -14605,7 +14583,7 @@
           <a:p>
             <a:fld id="{D5E76CD0-7DBE-4D02-85DE-D3A9EA270134}" type="datetime1">
               <a:rPr lang="en-US" smtClean="0"/>
-              <a:t>8/28/2012</a:t>
+              <a:t>8/29/2012</a:t>
             </a:fld>
             <a:endParaRPr lang="en-US"/>
           </a:p>
@@ -15024,7 +15002,7 @@
           <a:p>
             <a:fld id="{E30CE0EA-4D1D-43AB-B08A-B60C749D47CE}" type="datetime1">
               <a:rPr lang="en-US" smtClean="0"/>
-              <a:t>8/28/2012</a:t>
+              <a:t>8/29/2012</a:t>
             </a:fld>
             <a:endParaRPr lang="en-US"/>
           </a:p>
@@ -15147,7 +15125,7 @@
           <a:p>
             <a:fld id="{2A0CD629-440C-4771-A495-46076E79A9E7}" type="datetime1">
               <a:rPr lang="en-US" smtClean="0"/>
-              <a:t>8/28/2012</a:t>
+              <a:t>8/29/2012</a:t>
             </a:fld>
             <a:endParaRPr lang="en-US"/>
           </a:p>
@@ -15334,7 +15312,7 @@
           <a:p>
             <a:fld id="{DA25CE4A-0768-4C39-ABA3-B9B52F0F0513}" type="datetime1">
               <a:rPr lang="en-US" smtClean="0"/>
-              <a:t>8/28/2012</a:t>
+              <a:t>8/29/2012</a:t>
             </a:fld>
             <a:endParaRPr lang="en-US"/>
           </a:p>
@@ -15469,11 +15447,7 @@
           <a:p>
             <a:r>
               <a:rPr lang="en-US" dirty="0" smtClean="0"/>
-              <a:t>Start </a:t>
-            </a:r>
-            <a:r>
-              <a:rPr lang="en-US" dirty="0" smtClean="0"/>
-              <a:t>designing</a:t>
+              <a:t>Start designing</a:t>
             </a:r>
           </a:p>
           <a:p>
@@ -15502,7 +15476,7 @@
           <a:p>
             <a:fld id="{64B7A845-FF15-46C6-A943-689363CC0073}" type="datetime1">
               <a:rPr lang="en-US" smtClean="0"/>
-              <a:t>8/28/2012</a:t>
+              <a:t>8/29/2012</a:t>
             </a:fld>
             <a:endParaRPr lang="en-US"/>
           </a:p>
@@ -15830,7 +15804,7 @@
           <a:p>
             <a:fld id="{C9FB9974-63EF-45DA-A80B-3BBA5465F0F9}" type="datetime1">
               <a:rPr lang="en-US" smtClean="0"/>
-              <a:t>8/28/2012</a:t>
+              <a:t>8/29/2012</a:t>
             </a:fld>
             <a:endParaRPr lang="en-US"/>
           </a:p>
@@ -16057,7 +16031,7 @@
           <a:p>
             <a:fld id="{9D000E22-2DF7-41BE-ABFD-F84D3D930A32}" type="datetime1">
               <a:rPr lang="en-US" smtClean="0"/>
-              <a:t>8/28/2012</a:t>
+              <a:t>8/29/2012</a:t>
             </a:fld>
             <a:endParaRPr lang="en-US"/>
           </a:p>
@@ -16297,7 +16271,7 @@
           <a:p>
             <a:fld id="{3E35911F-C29B-46BC-A997-389E14454876}" type="datetime1">
               <a:rPr lang="en-US" smtClean="0"/>
-              <a:t>8/28/2012</a:t>
+              <a:t>8/29/2012</a:t>
             </a:fld>
             <a:endParaRPr lang="en-US"/>
           </a:p>
@@ -16369,7 +16343,7 @@
         <p:spPr/>
         <p:txBody>
           <a:bodyPr>
-            <a:normAutofit fontScale="92500"/>
+            <a:normAutofit/>
           </a:bodyPr>
           <a:lstStyle/>
           <a:p>
@@ -16469,7 +16443,7 @@
           <a:p>
             <a:fld id="{A5BD0E8C-75C2-4E04-89AA-E3EFBB4742E9}" type="datetime1">
               <a:rPr lang="en-US" smtClean="0"/>
-              <a:t>8/28/2012</a:t>
+              <a:t>8/29/2012</a:t>
             </a:fld>
             <a:endParaRPr lang="en-US"/>
           </a:p>
@@ -16610,7 +16584,7 @@
           <a:p>
             <a:fld id="{8EB11799-0D65-49C1-ACB6-7F78AE0DE8FA}" type="datetime1">
               <a:rPr lang="en-US" smtClean="0"/>
-              <a:t>8/28/2012</a:t>
+              <a:t>8/29/2012</a:t>
             </a:fld>
             <a:endParaRPr lang="en-US"/>
           </a:p>
@@ -16733,7 +16707,7 @@
           <a:p>
             <a:fld id="{F1A3489B-B294-4EC3-A192-F66C282D9322}" type="datetime1">
               <a:rPr lang="en-US" smtClean="0"/>
-              <a:t>8/28/2012</a:t>
+              <a:t>8/29/2012</a:t>
             </a:fld>
             <a:endParaRPr lang="en-US"/>
           </a:p>
